--- a/Modeling Oscillating Chemical Reactions.pptx
+++ b/Modeling Oscillating Chemical Reactions.pptx
@@ -5,7 +5,7 @@
     <p:sldMasterId id="2147483678" r:id="rId1"/>
   </p:sldMasterIdLst>
   <p:notesMasterIdLst>
-    <p:notesMasterId r:id="rId12"/>
+    <p:notesMasterId r:id="rId14"/>
   </p:notesMasterIdLst>
   <p:sldIdLst>
     <p:sldId id="256" r:id="rId2"/>
@@ -15,9 +15,11 @@
     <p:sldId id="263" r:id="rId6"/>
     <p:sldId id="267" r:id="rId7"/>
     <p:sldId id="264" r:id="rId8"/>
-    <p:sldId id="265" r:id="rId9"/>
+    <p:sldId id="268" r:id="rId9"/>
     <p:sldId id="259" r:id="rId10"/>
-    <p:sldId id="266" r:id="rId11"/>
+    <p:sldId id="270" r:id="rId11"/>
+    <p:sldId id="266" r:id="rId12"/>
+    <p:sldId id="271" r:id="rId13"/>
   </p:sldIdLst>
   <p:sldSz cx="12192000" cy="6858000"/>
   <p:notesSz cx="6858000" cy="9144000"/>
@@ -128,9 +130,11 @@
             <p14:sldId id="263"/>
             <p14:sldId id="267"/>
             <p14:sldId id="264"/>
-            <p14:sldId id="265"/>
+            <p14:sldId id="268"/>
             <p14:sldId id="259"/>
+            <p14:sldId id="270"/>
             <p14:sldId id="266"/>
+            <p14:sldId id="271"/>
           </p14:sldIdLst>
         </p14:section>
       </p14:sectionLst>
@@ -8521,6 +8525,198 @@
           <p:cNvPr id="2" name="Title 1">
             <a:extLst>
               <a:ext uri="{FF2B5EF4-FFF2-40B4-BE49-F238E27FC236}">
+                <a16:creationId xmlns:a16="http://schemas.microsoft.com/office/drawing/2014/main" id="{F5BCA7E9-F597-4C4D-A219-0B29C7C45029}"/>
+              </a:ext>
+            </a:extLst>
+          </p:cNvPr>
+          <p:cNvSpPr>
+            <a:spLocks noGrp="1"/>
+          </p:cNvSpPr>
+          <p:nvPr>
+            <p:ph type="title"/>
+          </p:nvPr>
+        </p:nvSpPr>
+        <p:spPr/>
+        <p:txBody>
+          <a:bodyPr/>
+          <a:lstStyle/>
+          <a:p>
+            <a:r>
+              <a:rPr lang="en-US" dirty="0"/>
+              <a:t>How does the model Relate to the Briggs-</a:t>
+            </a:r>
+            <a:r>
+              <a:rPr lang="en-US" dirty="0" err="1"/>
+              <a:t>Rausher</a:t>
+            </a:r>
+            <a:r>
+              <a:rPr lang="en-US" dirty="0"/>
+              <a:t> (BR) reaction</a:t>
+            </a:r>
+          </a:p>
+        </p:txBody>
+      </p:sp>
+      <p:sp>
+        <p:nvSpPr>
+          <p:cNvPr id="3" name="Content Placeholder 2">
+            <a:extLst>
+              <a:ext uri="{FF2B5EF4-FFF2-40B4-BE49-F238E27FC236}">
+                <a16:creationId xmlns:a16="http://schemas.microsoft.com/office/drawing/2014/main" id="{7C80A974-D14A-486F-8385-75D2F422A2AC}"/>
+              </a:ext>
+            </a:extLst>
+          </p:cNvPr>
+          <p:cNvSpPr>
+            <a:spLocks noGrp="1"/>
+          </p:cNvSpPr>
+          <p:nvPr>
+            <p:ph idx="1"/>
+          </p:nvPr>
+        </p:nvSpPr>
+        <p:spPr/>
+        <p:txBody>
+          <a:bodyPr/>
+          <a:lstStyle/>
+          <a:p>
+            <a:r>
+              <a:rPr lang="en-US" dirty="0"/>
+              <a:t>BR reaction has a 16 step reaction mechanism</a:t>
+            </a:r>
+          </a:p>
+          <a:p>
+            <a:r>
+              <a:rPr lang="en-US" dirty="0"/>
+              <a:t>I</a:t>
+            </a:r>
+            <a:r>
+              <a:rPr lang="en-US" baseline="-25000" dirty="0"/>
+              <a:t>2</a:t>
+            </a:r>
+            <a:r>
+              <a:rPr lang="en-US" dirty="0"/>
+              <a:t> and I</a:t>
+            </a:r>
+            <a:r>
+              <a:rPr lang="en-US" baseline="30000" dirty="0"/>
+              <a:t>- </a:t>
+            </a:r>
+            <a:r>
+              <a:rPr lang="en-US" dirty="0"/>
+              <a:t>are the key reactants that parallel chemical x and y (</a:t>
+            </a:r>
+            <a:r>
+              <a:rPr lang="en-US" dirty="0" err="1"/>
+              <a:t>Shakhashiri</a:t>
+            </a:r>
+            <a:r>
+              <a:rPr lang="en-US" dirty="0"/>
+              <a:t>, 1985)</a:t>
+            </a:r>
+          </a:p>
+          <a:p>
+            <a:pPr lvl="1"/>
+            <a:r>
+              <a:rPr lang="en-US" dirty="0"/>
+              <a:t>[I</a:t>
+            </a:r>
+            <a:r>
+              <a:rPr lang="en-US" baseline="-25000" dirty="0"/>
+              <a:t>2</a:t>
+            </a:r>
+            <a:r>
+              <a:rPr lang="en-US" dirty="0"/>
+              <a:t> ]  and amber color increases rapidly when [I</a:t>
+            </a:r>
+            <a:r>
+              <a:rPr lang="en-US" baseline="30000" dirty="0"/>
+              <a:t>- </a:t>
+            </a:r>
+            <a:r>
+              <a:rPr lang="en-US" dirty="0"/>
+              <a:t>] are high</a:t>
+            </a:r>
+          </a:p>
+          <a:p>
+            <a:pPr lvl="1"/>
+            <a:r>
+              <a:rPr lang="en-US" dirty="0"/>
+              <a:t>[I</a:t>
+            </a:r>
+            <a:r>
+              <a:rPr lang="en-US" baseline="30000" dirty="0"/>
+              <a:t>- </a:t>
+            </a:r>
+            <a:r>
+              <a:rPr lang="en-US" dirty="0"/>
+              <a:t>] increases as [I</a:t>
+            </a:r>
+            <a:r>
+              <a:rPr lang="en-US" baseline="-25000" dirty="0"/>
+              <a:t>2</a:t>
+            </a:r>
+            <a:r>
+              <a:rPr lang="en-US" dirty="0"/>
+              <a:t> ] are high which causes [I</a:t>
+            </a:r>
+            <a:r>
+              <a:rPr lang="en-US" baseline="30000" dirty="0"/>
+              <a:t>- </a:t>
+            </a:r>
+            <a:r>
+              <a:rPr lang="en-US" dirty="0"/>
+              <a:t>] to react with starch and make blue/black color </a:t>
+            </a:r>
+          </a:p>
+          <a:p>
+            <a:r>
+              <a:rPr lang="en-US" dirty="0"/>
+              <a:t>Steps of the mechanism are different order reactions that plays key role (</a:t>
+            </a:r>
+            <a:r>
+              <a:rPr lang="en-US" dirty="0" err="1"/>
+              <a:t>Shakhashiri</a:t>
+            </a:r>
+            <a:r>
+              <a:rPr lang="en-US" dirty="0"/>
+              <a:t>, 1985)</a:t>
+            </a:r>
+          </a:p>
+        </p:txBody>
+      </p:sp>
+    </p:spTree>
+    <p:extLst>
+      <p:ext uri="{BB962C8B-B14F-4D97-AF65-F5344CB8AC3E}">
+        <p14:creationId xmlns:p14="http://schemas.microsoft.com/office/powerpoint/2010/main" val="3502310365"/>
+      </p:ext>
+    </p:extLst>
+  </p:cSld>
+  <p:clrMapOvr>
+    <a:masterClrMapping/>
+  </p:clrMapOvr>
+</p:sld>
+</file>
+
+<file path=ppt/slides/slide11.xml><?xml version="1.0" encoding="utf-8"?>
+<p:sld xmlns:a="http://schemas.openxmlformats.org/drawingml/2006/main" xmlns:r="http://schemas.openxmlformats.org/officeDocument/2006/relationships" xmlns:p="http://schemas.openxmlformats.org/presentationml/2006/main">
+  <p:cSld>
+    <p:spTree>
+      <p:nvGrpSpPr>
+        <p:cNvPr id="1" name=""/>
+        <p:cNvGrpSpPr/>
+        <p:nvPr/>
+      </p:nvGrpSpPr>
+      <p:grpSpPr>
+        <a:xfrm>
+          <a:off x="0" y="0"/>
+          <a:ext cx="0" cy="0"/>
+          <a:chOff x="0" y="0"/>
+          <a:chExt cx="0" cy="0"/>
+        </a:xfrm>
+      </p:grpSpPr>
+      <p:sp>
+        <p:nvSpPr>
+          <p:cNvPr id="2" name="Title 1">
+            <a:extLst>
+              <a:ext uri="{FF2B5EF4-FFF2-40B4-BE49-F238E27FC236}">
                 <a16:creationId xmlns:a16="http://schemas.microsoft.com/office/drawing/2014/main" id="{397F3C17-344E-4206-8062-A901AC8BE33C}"/>
               </a:ext>
             </a:extLst>
@@ -8539,7 +8735,7 @@
           <a:p>
             <a:r>
               <a:rPr lang="en-US" dirty="0"/>
-              <a:t>References</a:t>
+              <a:t>Image References</a:t>
             </a:r>
           </a:p>
         </p:txBody>
@@ -8594,6 +8790,108 @@
     <p:extLst>
       <p:ext uri="{BB962C8B-B14F-4D97-AF65-F5344CB8AC3E}">
         <p14:creationId xmlns:p14="http://schemas.microsoft.com/office/powerpoint/2010/main" val="1597322647"/>
+      </p:ext>
+    </p:extLst>
+  </p:cSld>
+  <p:clrMapOvr>
+    <a:masterClrMapping/>
+  </p:clrMapOvr>
+</p:sld>
+</file>
+
+<file path=ppt/slides/slide12.xml><?xml version="1.0" encoding="utf-8"?>
+<p:sld xmlns:a="http://schemas.openxmlformats.org/drawingml/2006/main" xmlns:r="http://schemas.openxmlformats.org/officeDocument/2006/relationships" xmlns:p="http://schemas.openxmlformats.org/presentationml/2006/main">
+  <p:cSld>
+    <p:spTree>
+      <p:nvGrpSpPr>
+        <p:cNvPr id="1" name=""/>
+        <p:cNvGrpSpPr/>
+        <p:nvPr/>
+      </p:nvGrpSpPr>
+      <p:grpSpPr>
+        <a:xfrm>
+          <a:off x="0" y="0"/>
+          <a:ext cx="0" cy="0"/>
+          <a:chOff x="0" y="0"/>
+          <a:chExt cx="0" cy="0"/>
+        </a:xfrm>
+      </p:grpSpPr>
+      <p:sp>
+        <p:nvSpPr>
+          <p:cNvPr id="2" name="Title 1">
+            <a:extLst>
+              <a:ext uri="{FF2B5EF4-FFF2-40B4-BE49-F238E27FC236}">
+                <a16:creationId xmlns:a16="http://schemas.microsoft.com/office/drawing/2014/main" id="{71506070-A9F9-49E7-9583-FB726BF02B0D}"/>
+              </a:ext>
+            </a:extLst>
+          </p:cNvPr>
+          <p:cNvSpPr>
+            <a:spLocks noGrp="1"/>
+          </p:cNvSpPr>
+          <p:nvPr>
+            <p:ph type="title"/>
+          </p:nvPr>
+        </p:nvSpPr>
+        <p:spPr/>
+        <p:txBody>
+          <a:bodyPr/>
+          <a:lstStyle/>
+          <a:p>
+            <a:r>
+              <a:rPr lang="en-US" dirty="0"/>
+              <a:t>Work Cited</a:t>
+            </a:r>
+          </a:p>
+        </p:txBody>
+      </p:sp>
+      <p:sp>
+        <p:nvSpPr>
+          <p:cNvPr id="3" name="Content Placeholder 2">
+            <a:extLst>
+              <a:ext uri="{FF2B5EF4-FFF2-40B4-BE49-F238E27FC236}">
+                <a16:creationId xmlns:a16="http://schemas.microsoft.com/office/drawing/2014/main" id="{E6DF249D-F773-406B-A3DC-794A24F9AB99}"/>
+              </a:ext>
+            </a:extLst>
+          </p:cNvPr>
+          <p:cNvSpPr>
+            <a:spLocks noGrp="1"/>
+          </p:cNvSpPr>
+          <p:nvPr>
+            <p:ph idx="1"/>
+          </p:nvPr>
+        </p:nvSpPr>
+        <p:spPr/>
+        <p:txBody>
+          <a:bodyPr/>
+          <a:lstStyle/>
+          <a:p>
+            <a:r>
+              <a:rPr lang="en-US" dirty="0" err="1"/>
+              <a:t>Shakhashiri</a:t>
+            </a:r>
+            <a:r>
+              <a:rPr lang="en-US" dirty="0"/>
+              <a:t>, B. Z.</a:t>
+            </a:r>
+            <a:r>
+              <a:rPr lang="en-US" i="1" dirty="0"/>
+              <a:t> Chemical demonstrations: A handbook for teachers of chemistry; </a:t>
+            </a:r>
+            <a:r>
+              <a:rPr lang="en-US" dirty="0" err="1"/>
+              <a:t>Univ</a:t>
+            </a:r>
+            <a:r>
+              <a:rPr lang="en-US" dirty="0"/>
+              <a:t> of Wisconsin Press: 1985; Vol. 2.</a:t>
+            </a:r>
+          </a:p>
+        </p:txBody>
+      </p:sp>
+    </p:spTree>
+    <p:extLst>
+      <p:ext uri="{BB962C8B-B14F-4D97-AF65-F5344CB8AC3E}">
+        <p14:creationId xmlns:p14="http://schemas.microsoft.com/office/powerpoint/2010/main" val="959117791"/>
       </p:ext>
     </p:extLst>
   </p:cSld>
@@ -8699,17 +8997,6 @@
             <a:r>
               <a:rPr lang="en-US" dirty="0"/>
               <a:t>Examples:</a:t>
-            </a:r>
-          </a:p>
-          <a:p>
-            <a:pPr lvl="1"/>
-            <a:r>
-              <a:rPr lang="en-US" dirty="0" err="1"/>
-              <a:t>Belousov-Zhabotinsky</a:t>
-            </a:r>
-            <a:r>
-              <a:rPr lang="en-US" dirty="0"/>
-              <a:t> reaction</a:t>
             </a:r>
           </a:p>
           <a:p>
@@ -9212,8 +9499,8 @@
         </p:blipFill>
         <p:spPr>
           <a:xfrm>
-            <a:off x="8810625" y="740680"/>
-            <a:ext cx="2362200" cy="1047750"/>
+            <a:off x="7067550" y="4017510"/>
+            <a:ext cx="3800475" cy="1685695"/>
           </a:xfrm>
           <a:prstGeom prst="rect">
             <a:avLst/>
@@ -9794,7 +10081,7 @@
           <p:cNvPr id="2" name="Title 1">
             <a:extLst>
               <a:ext uri="{FF2B5EF4-FFF2-40B4-BE49-F238E27FC236}">
-                <a16:creationId xmlns:a16="http://schemas.microsoft.com/office/drawing/2014/main" id="{391C395B-8035-4329-B5A2-57757A7576F1}"/>
+                <a16:creationId xmlns:a16="http://schemas.microsoft.com/office/drawing/2014/main" id="{783B9B8B-DC7F-4D3F-AE86-F16F9659E74E}"/>
               </a:ext>
             </a:extLst>
           </p:cNvPr>
@@ -9807,26 +10094,24 @@
         </p:nvSpPr>
         <p:spPr/>
         <p:txBody>
-          <a:bodyPr/>
+          <a:bodyPr>
+            <a:normAutofit/>
+          </a:bodyPr>
           <a:lstStyle/>
           <a:p>
             <a:r>
-              <a:rPr lang="en-US" dirty="0" err="1"/>
-              <a:t>Brusselator</a:t>
-            </a:r>
-            <a:r>
-              <a:rPr lang="en-US" dirty="0"/>
-              <a:t>- Changing a and b</a:t>
+              <a:rPr lang="en-US" sz="2800" b="1" dirty="0"/>
+              <a:t>Point of Equilibrium </a:t>
             </a:r>
           </a:p>
         </p:txBody>
       </p:sp>
       <p:sp>
         <p:nvSpPr>
-          <p:cNvPr id="3" name="Content Placeholder 2">
+          <p:cNvPr id="4" name="Text Placeholder 3">
             <a:extLst>
               <a:ext uri="{FF2B5EF4-FFF2-40B4-BE49-F238E27FC236}">
-                <a16:creationId xmlns:a16="http://schemas.microsoft.com/office/drawing/2014/main" id="{30A8B37B-73ED-4224-837F-7411E38CD2B0}"/>
+                <a16:creationId xmlns:a16="http://schemas.microsoft.com/office/drawing/2014/main" id="{88ACB298-05B4-49CC-8CA1-2C3E82B56482}"/>
               </a:ext>
             </a:extLst>
           </p:cNvPr>
@@ -9834,22 +10119,154 @@
             <a:spLocks noGrp="1"/>
           </p:cNvSpPr>
           <p:nvPr>
+            <p:ph type="body" sz="half" idx="2"/>
+          </p:nvPr>
+        </p:nvSpPr>
+        <p:spPr/>
+        <p:txBody>
+          <a:bodyPr>
+            <a:normAutofit/>
+          </a:bodyPr>
+          <a:lstStyle/>
+          <a:p>
+            <a:pPr marL="285750" indent="-285750">
+              <a:buFont typeface="Arial" panose="020B0604020202020204" pitchFamily="34" charset="0"/>
+              <a:buChar char="•"/>
+            </a:pPr>
+            <a:r>
+              <a:rPr lang="en-US" sz="1600" dirty="0"/>
+              <a:t>Equilibrium = rate of change is zero</a:t>
+            </a:r>
+          </a:p>
+          <a:p>
+            <a:pPr marL="742950" lvl="1" indent="-285750">
+              <a:buFont typeface="Arial" panose="020B0604020202020204" pitchFamily="34" charset="0"/>
+              <a:buChar char="•"/>
+            </a:pPr>
+            <a:r>
+              <a:rPr lang="en-US" sz="1400" dirty="0"/>
+              <a:t>Set dx/</a:t>
+            </a:r>
+            <a:r>
+              <a:rPr lang="en-US" sz="1400" dirty="0" err="1"/>
+              <a:t>dt</a:t>
+            </a:r>
+            <a:r>
+              <a:rPr lang="en-US" sz="1400" dirty="0"/>
+              <a:t> and </a:t>
+            </a:r>
+            <a:r>
+              <a:rPr lang="en-US" sz="1400" dirty="0" err="1"/>
+              <a:t>dy</a:t>
+            </a:r>
+            <a:r>
+              <a:rPr lang="en-US" sz="1400" dirty="0"/>
+              <a:t>/</a:t>
+            </a:r>
+            <a:r>
+              <a:rPr lang="en-US" sz="1400" dirty="0" err="1"/>
+              <a:t>dt</a:t>
+            </a:r>
+            <a:r>
+              <a:rPr lang="en-US" sz="1400" dirty="0"/>
+              <a:t> to 0</a:t>
+            </a:r>
+          </a:p>
+          <a:p>
+            <a:pPr marL="742950" lvl="1" indent="-285750">
+              <a:buFont typeface="Arial" panose="020B0604020202020204" pitchFamily="34" charset="0"/>
+              <a:buChar char="•"/>
+            </a:pPr>
+            <a:r>
+              <a:rPr lang="en-US" sz="1400" dirty="0"/>
+              <a:t>Solve for x and y</a:t>
+            </a:r>
+          </a:p>
+          <a:p>
+            <a:pPr marL="742950" lvl="1" indent="-285750">
+              <a:buFont typeface="Arial" panose="020B0604020202020204" pitchFamily="34" charset="0"/>
+              <a:buChar char="•"/>
+            </a:pPr>
+            <a:endParaRPr lang="en-US" sz="1400" dirty="0"/>
+          </a:p>
+          <a:p>
+            <a:pPr marL="285750" indent="-285750">
+              <a:buFont typeface="Arial" panose="020B0604020202020204" pitchFamily="34" charset="0"/>
+              <a:buChar char="•"/>
+            </a:pPr>
+            <a:r>
+              <a:rPr lang="en-US" sz="1600" dirty="0"/>
+              <a:t>X=1 and y= b/a</a:t>
+            </a:r>
+          </a:p>
+        </p:txBody>
+      </p:sp>
+      <p:pic>
+        <p:nvPicPr>
+          <p:cNvPr id="5" name="Content Placeholder 4">
+            <a:extLst>
+              <a:ext uri="{FF2B5EF4-FFF2-40B4-BE49-F238E27FC236}">
+                <a16:creationId xmlns:a16="http://schemas.microsoft.com/office/drawing/2014/main" id="{3918B74D-90D7-4F69-8839-1FC58D303126}"/>
+              </a:ext>
+            </a:extLst>
+          </p:cNvPr>
+          <p:cNvPicPr>
+            <a:picLocks noGrp="1" noChangeAspect="1"/>
+          </p:cNvPicPr>
+          <p:nvPr>
             <p:ph idx="1"/>
           </p:nvPr>
-        </p:nvSpPr>
-        <p:spPr/>
-        <p:txBody>
-          <a:bodyPr/>
-          <a:lstStyle/>
-          <a:p>
-            <a:endParaRPr lang="en-US" dirty="0"/>
-          </a:p>
-        </p:txBody>
-      </p:sp>
+        </p:nvPicPr>
+        <p:blipFill>
+          <a:blip r:embed="rId2"/>
+          <a:stretch>
+            <a:fillRect/>
+          </a:stretch>
+        </p:blipFill>
+        <p:spPr>
+          <a:xfrm>
+            <a:off x="2463423" y="4250530"/>
+            <a:ext cx="3630988" cy="1610519"/>
+          </a:xfrm>
+          <a:prstGeom prst="rect">
+            <a:avLst/>
+          </a:prstGeom>
+        </p:spPr>
+      </p:pic>
+      <p:pic>
+        <p:nvPicPr>
+          <p:cNvPr id="6" name="Picture 5">
+            <a:extLst>
+              <a:ext uri="{FF2B5EF4-FFF2-40B4-BE49-F238E27FC236}">
+                <a16:creationId xmlns:a16="http://schemas.microsoft.com/office/drawing/2014/main" id="{7A9A158E-6BD4-4EAD-964E-361C0547982A}"/>
+              </a:ext>
+            </a:extLst>
+          </p:cNvPr>
+          <p:cNvPicPr>
+            <a:picLocks noChangeAspect="1"/>
+          </p:cNvPicPr>
+          <p:nvPr/>
+        </p:nvPicPr>
+        <p:blipFill>
+          <a:blip r:embed="rId3"/>
+          <a:stretch>
+            <a:fillRect/>
+          </a:stretch>
+        </p:blipFill>
+        <p:spPr>
+          <a:xfrm>
+            <a:off x="7388225" y="934244"/>
+            <a:ext cx="4429125" cy="5438775"/>
+          </a:xfrm>
+          <a:prstGeom prst="rect">
+            <a:avLst/>
+          </a:prstGeom>
+        </p:spPr>
+      </p:pic>
     </p:spTree>
     <p:extLst>
       <p:ext uri="{BB962C8B-B14F-4D97-AF65-F5344CB8AC3E}">
-        <p14:creationId xmlns:p14="http://schemas.microsoft.com/office/powerpoint/2010/main" val="4279546173"/>
+        <p14:creationId xmlns:p14="http://schemas.microsoft.com/office/powerpoint/2010/main" val="2254853153"/>
       </p:ext>
     </p:extLst>
   </p:cSld>
@@ -9878,6 +10295,456 @@
       </p:grpSpPr>
       <p:pic>
         <p:nvPicPr>
+          <p:cNvPr id="23" name="Picture 22">
+            <a:extLst>
+              <a:ext uri="{FF2B5EF4-FFF2-40B4-BE49-F238E27FC236}">
+                <a16:creationId xmlns:a16="http://schemas.microsoft.com/office/drawing/2014/main" id="{D2740BFC-89D0-46E0-9570-0AEF7CE312F8}"/>
+              </a:ext>
+            </a:extLst>
+          </p:cNvPr>
+          <p:cNvPicPr>
+            <a:picLocks noChangeAspect="1"/>
+          </p:cNvPicPr>
+          <p:nvPr/>
+        </p:nvPicPr>
+        <p:blipFill>
+          <a:blip r:embed="rId2"/>
+          <a:stretch>
+            <a:fillRect/>
+          </a:stretch>
+        </p:blipFill>
+        <p:spPr>
+          <a:xfrm>
+            <a:off x="1657350" y="1357313"/>
+            <a:ext cx="8877300" cy="4143375"/>
+          </a:xfrm>
+          <a:prstGeom prst="rect">
+            <a:avLst/>
+          </a:prstGeom>
+        </p:spPr>
+      </p:pic>
+      <p:pic>
+        <p:nvPicPr>
+          <p:cNvPr id="24" name="Picture 23">
+            <a:extLst>
+              <a:ext uri="{FF2B5EF4-FFF2-40B4-BE49-F238E27FC236}">
+                <a16:creationId xmlns:a16="http://schemas.microsoft.com/office/drawing/2014/main" id="{60E5E39B-8634-48B9-A2A6-16BE9BA50E4D}"/>
+              </a:ext>
+            </a:extLst>
+          </p:cNvPr>
+          <p:cNvPicPr>
+            <a:picLocks noChangeAspect="1"/>
+          </p:cNvPicPr>
+          <p:nvPr/>
+        </p:nvPicPr>
+        <p:blipFill>
+          <a:blip r:embed="rId3"/>
+          <a:stretch>
+            <a:fillRect/>
+          </a:stretch>
+        </p:blipFill>
+        <p:spPr>
+          <a:xfrm>
+            <a:off x="1657350" y="1371600"/>
+            <a:ext cx="8877300" cy="4114800"/>
+          </a:xfrm>
+          <a:prstGeom prst="rect">
+            <a:avLst/>
+          </a:prstGeom>
+        </p:spPr>
+      </p:pic>
+      <p:pic>
+        <p:nvPicPr>
+          <p:cNvPr id="25" name="Picture 24">
+            <a:extLst>
+              <a:ext uri="{FF2B5EF4-FFF2-40B4-BE49-F238E27FC236}">
+                <a16:creationId xmlns:a16="http://schemas.microsoft.com/office/drawing/2014/main" id="{7D55B759-465F-413D-A94C-F4B956357BEF}"/>
+              </a:ext>
+            </a:extLst>
+          </p:cNvPr>
+          <p:cNvPicPr>
+            <a:picLocks noChangeAspect="1"/>
+          </p:cNvPicPr>
+          <p:nvPr/>
+        </p:nvPicPr>
+        <p:blipFill>
+          <a:blip r:embed="rId4"/>
+          <a:stretch>
+            <a:fillRect/>
+          </a:stretch>
+        </p:blipFill>
+        <p:spPr>
+          <a:xfrm>
+            <a:off x="1633538" y="1371600"/>
+            <a:ext cx="8924925" cy="4114800"/>
+          </a:xfrm>
+          <a:prstGeom prst="rect">
+            <a:avLst/>
+          </a:prstGeom>
+        </p:spPr>
+      </p:pic>
+      <p:pic>
+        <p:nvPicPr>
+          <p:cNvPr id="26" name="Picture 25">
+            <a:extLst>
+              <a:ext uri="{FF2B5EF4-FFF2-40B4-BE49-F238E27FC236}">
+                <a16:creationId xmlns:a16="http://schemas.microsoft.com/office/drawing/2014/main" id="{3A8732E8-2FD0-49E4-B8CD-7B9EB760CFB1}"/>
+              </a:ext>
+            </a:extLst>
+          </p:cNvPr>
+          <p:cNvPicPr>
+            <a:picLocks noChangeAspect="1"/>
+          </p:cNvPicPr>
+          <p:nvPr/>
+        </p:nvPicPr>
+        <p:blipFill>
+          <a:blip r:embed="rId5"/>
+          <a:stretch>
+            <a:fillRect/>
+          </a:stretch>
+        </p:blipFill>
+        <p:spPr>
+          <a:xfrm>
+            <a:off x="1652588" y="1371600"/>
+            <a:ext cx="8886825" cy="4114800"/>
+          </a:xfrm>
+          <a:prstGeom prst="rect">
+            <a:avLst/>
+          </a:prstGeom>
+        </p:spPr>
+      </p:pic>
+      <p:pic>
+        <p:nvPicPr>
+          <p:cNvPr id="27" name="Picture 26">
+            <a:extLst>
+              <a:ext uri="{FF2B5EF4-FFF2-40B4-BE49-F238E27FC236}">
+                <a16:creationId xmlns:a16="http://schemas.microsoft.com/office/drawing/2014/main" id="{AC0D5957-F3F0-4395-95D1-931792DB756D}"/>
+              </a:ext>
+            </a:extLst>
+          </p:cNvPr>
+          <p:cNvPicPr>
+            <a:picLocks noChangeAspect="1"/>
+          </p:cNvPicPr>
+          <p:nvPr/>
+        </p:nvPicPr>
+        <p:blipFill>
+          <a:blip r:embed="rId6"/>
+          <a:stretch>
+            <a:fillRect/>
+          </a:stretch>
+        </p:blipFill>
+        <p:spPr>
+          <a:xfrm>
+            <a:off x="1652588" y="1371600"/>
+            <a:ext cx="8886825" cy="4114800"/>
+          </a:xfrm>
+          <a:prstGeom prst="rect">
+            <a:avLst/>
+          </a:prstGeom>
+        </p:spPr>
+      </p:pic>
+      <p:pic>
+        <p:nvPicPr>
+          <p:cNvPr id="28" name="Picture 27">
+            <a:extLst>
+              <a:ext uri="{FF2B5EF4-FFF2-40B4-BE49-F238E27FC236}">
+                <a16:creationId xmlns:a16="http://schemas.microsoft.com/office/drawing/2014/main" id="{2A38BC9F-7F07-477C-BF27-FC242DAB41F2}"/>
+              </a:ext>
+            </a:extLst>
+          </p:cNvPr>
+          <p:cNvPicPr>
+            <a:picLocks noChangeAspect="1"/>
+          </p:cNvPicPr>
+          <p:nvPr/>
+        </p:nvPicPr>
+        <p:blipFill>
+          <a:blip r:embed="rId7"/>
+          <a:stretch>
+            <a:fillRect/>
+          </a:stretch>
+        </p:blipFill>
+        <p:spPr>
+          <a:xfrm>
+            <a:off x="1643063" y="1371600"/>
+            <a:ext cx="8905875" cy="4114800"/>
+          </a:xfrm>
+          <a:prstGeom prst="rect">
+            <a:avLst/>
+          </a:prstGeom>
+        </p:spPr>
+      </p:pic>
+      <p:pic>
+        <p:nvPicPr>
+          <p:cNvPr id="29" name="Picture 28">
+            <a:extLst>
+              <a:ext uri="{FF2B5EF4-FFF2-40B4-BE49-F238E27FC236}">
+                <a16:creationId xmlns:a16="http://schemas.microsoft.com/office/drawing/2014/main" id="{9A50D8DB-27CB-4B1A-A901-8E3F35281BEE}"/>
+              </a:ext>
+            </a:extLst>
+          </p:cNvPr>
+          <p:cNvPicPr>
+            <a:picLocks noChangeAspect="1"/>
+          </p:cNvPicPr>
+          <p:nvPr/>
+        </p:nvPicPr>
+        <p:blipFill>
+          <a:blip r:embed="rId8"/>
+          <a:stretch>
+            <a:fillRect/>
+          </a:stretch>
+        </p:blipFill>
+        <p:spPr>
+          <a:xfrm>
+            <a:off x="1647825" y="1376363"/>
+            <a:ext cx="8896350" cy="4105275"/>
+          </a:xfrm>
+          <a:prstGeom prst="rect">
+            <a:avLst/>
+          </a:prstGeom>
+        </p:spPr>
+      </p:pic>
+      <p:pic>
+        <p:nvPicPr>
+          <p:cNvPr id="30" name="Picture 29">
+            <a:extLst>
+              <a:ext uri="{FF2B5EF4-FFF2-40B4-BE49-F238E27FC236}">
+                <a16:creationId xmlns:a16="http://schemas.microsoft.com/office/drawing/2014/main" id="{C9E2344A-5BAB-48A9-B5AB-53A9CCE6E81C}"/>
+              </a:ext>
+            </a:extLst>
+          </p:cNvPr>
+          <p:cNvPicPr>
+            <a:picLocks noChangeAspect="1"/>
+          </p:cNvPicPr>
+          <p:nvPr/>
+        </p:nvPicPr>
+        <p:blipFill>
+          <a:blip r:embed="rId9"/>
+          <a:stretch>
+            <a:fillRect/>
+          </a:stretch>
+        </p:blipFill>
+        <p:spPr>
+          <a:xfrm>
+            <a:off x="1662113" y="1376363"/>
+            <a:ext cx="8867775" cy="4105275"/>
+          </a:xfrm>
+          <a:prstGeom prst="rect">
+            <a:avLst/>
+          </a:prstGeom>
+        </p:spPr>
+      </p:pic>
+      <p:pic>
+        <p:nvPicPr>
+          <p:cNvPr id="31" name="Picture 30">
+            <a:extLst>
+              <a:ext uri="{FF2B5EF4-FFF2-40B4-BE49-F238E27FC236}">
+                <a16:creationId xmlns:a16="http://schemas.microsoft.com/office/drawing/2014/main" id="{D8949991-FFD0-4EFB-9E93-0D01E325822A}"/>
+              </a:ext>
+            </a:extLst>
+          </p:cNvPr>
+          <p:cNvPicPr>
+            <a:picLocks noChangeAspect="1"/>
+          </p:cNvPicPr>
+          <p:nvPr/>
+        </p:nvPicPr>
+        <p:blipFill>
+          <a:blip r:embed="rId10"/>
+          <a:stretch>
+            <a:fillRect/>
+          </a:stretch>
+        </p:blipFill>
+        <p:spPr>
+          <a:xfrm>
+            <a:off x="1647825" y="1371600"/>
+            <a:ext cx="8896350" cy="4114800"/>
+          </a:xfrm>
+          <a:prstGeom prst="rect">
+            <a:avLst/>
+          </a:prstGeom>
+        </p:spPr>
+      </p:pic>
+      <p:pic>
+        <p:nvPicPr>
+          <p:cNvPr id="32" name="Picture 31">
+            <a:extLst>
+              <a:ext uri="{FF2B5EF4-FFF2-40B4-BE49-F238E27FC236}">
+                <a16:creationId xmlns:a16="http://schemas.microsoft.com/office/drawing/2014/main" id="{24A37617-15CC-43E3-B7E6-48301D8CB9DF}"/>
+              </a:ext>
+            </a:extLst>
+          </p:cNvPr>
+          <p:cNvPicPr>
+            <a:picLocks noChangeAspect="1"/>
+          </p:cNvPicPr>
+          <p:nvPr/>
+        </p:nvPicPr>
+        <p:blipFill>
+          <a:blip r:embed="rId11"/>
+          <a:stretch>
+            <a:fillRect/>
+          </a:stretch>
+        </p:blipFill>
+        <p:spPr>
+          <a:xfrm>
+            <a:off x="1657350" y="1371600"/>
+            <a:ext cx="8877300" cy="4114800"/>
+          </a:xfrm>
+          <a:prstGeom prst="rect">
+            <a:avLst/>
+          </a:prstGeom>
+        </p:spPr>
+      </p:pic>
+      <p:pic>
+        <p:nvPicPr>
+          <p:cNvPr id="33" name="Picture 32">
+            <a:extLst>
+              <a:ext uri="{FF2B5EF4-FFF2-40B4-BE49-F238E27FC236}">
+                <a16:creationId xmlns:a16="http://schemas.microsoft.com/office/drawing/2014/main" id="{C5290A32-B907-44A6-9850-77BD66C3AB3A}"/>
+              </a:ext>
+            </a:extLst>
+          </p:cNvPr>
+          <p:cNvPicPr>
+            <a:picLocks noChangeAspect="1"/>
+          </p:cNvPicPr>
+          <p:nvPr/>
+        </p:nvPicPr>
+        <p:blipFill>
+          <a:blip r:embed="rId12"/>
+          <a:stretch>
+            <a:fillRect/>
+          </a:stretch>
+        </p:blipFill>
+        <p:spPr>
+          <a:xfrm>
+            <a:off x="1633538" y="1371600"/>
+            <a:ext cx="8924925" cy="4114800"/>
+          </a:xfrm>
+          <a:prstGeom prst="rect">
+            <a:avLst/>
+          </a:prstGeom>
+        </p:spPr>
+      </p:pic>
+      <p:pic>
+        <p:nvPicPr>
+          <p:cNvPr id="34" name="Picture 33">
+            <a:extLst>
+              <a:ext uri="{FF2B5EF4-FFF2-40B4-BE49-F238E27FC236}">
+                <a16:creationId xmlns:a16="http://schemas.microsoft.com/office/drawing/2014/main" id="{243F7794-FD74-4125-B409-7F83217C1488}"/>
+              </a:ext>
+            </a:extLst>
+          </p:cNvPr>
+          <p:cNvPicPr>
+            <a:picLocks noChangeAspect="1"/>
+          </p:cNvPicPr>
+          <p:nvPr/>
+        </p:nvPicPr>
+        <p:blipFill>
+          <a:blip r:embed="rId13"/>
+          <a:stretch>
+            <a:fillRect/>
+          </a:stretch>
+        </p:blipFill>
+        <p:spPr>
+          <a:xfrm>
+            <a:off x="1638300" y="1366838"/>
+            <a:ext cx="8915400" cy="4124325"/>
+          </a:xfrm>
+          <a:prstGeom prst="rect">
+            <a:avLst/>
+          </a:prstGeom>
+        </p:spPr>
+      </p:pic>
+      <p:pic>
+        <p:nvPicPr>
+          <p:cNvPr id="35" name="Picture 34">
+            <a:extLst>
+              <a:ext uri="{FF2B5EF4-FFF2-40B4-BE49-F238E27FC236}">
+                <a16:creationId xmlns:a16="http://schemas.microsoft.com/office/drawing/2014/main" id="{229E77D3-2933-41E7-A497-A6BA01FCE797}"/>
+              </a:ext>
+            </a:extLst>
+          </p:cNvPr>
+          <p:cNvPicPr>
+            <a:picLocks noChangeAspect="1"/>
+          </p:cNvPicPr>
+          <p:nvPr/>
+        </p:nvPicPr>
+        <p:blipFill>
+          <a:blip r:embed="rId14"/>
+          <a:stretch>
+            <a:fillRect/>
+          </a:stretch>
+        </p:blipFill>
+        <p:spPr>
+          <a:xfrm>
+            <a:off x="1662113" y="1371600"/>
+            <a:ext cx="8867775" cy="4114800"/>
+          </a:xfrm>
+          <a:prstGeom prst="rect">
+            <a:avLst/>
+          </a:prstGeom>
+        </p:spPr>
+      </p:pic>
+      <p:pic>
+        <p:nvPicPr>
+          <p:cNvPr id="36" name="Picture 35">
+            <a:extLst>
+              <a:ext uri="{FF2B5EF4-FFF2-40B4-BE49-F238E27FC236}">
+                <a16:creationId xmlns:a16="http://schemas.microsoft.com/office/drawing/2014/main" id="{ADFE510F-99FB-45BD-881A-3BB8BFB15F3A}"/>
+              </a:ext>
+            </a:extLst>
+          </p:cNvPr>
+          <p:cNvPicPr>
+            <a:picLocks noChangeAspect="1"/>
+          </p:cNvPicPr>
+          <p:nvPr/>
+        </p:nvPicPr>
+        <p:blipFill>
+          <a:blip r:embed="rId15"/>
+          <a:stretch>
+            <a:fillRect/>
+          </a:stretch>
+        </p:blipFill>
+        <p:spPr>
+          <a:xfrm>
+            <a:off x="1643063" y="1371600"/>
+            <a:ext cx="8905875" cy="4114800"/>
+          </a:xfrm>
+          <a:prstGeom prst="rect">
+            <a:avLst/>
+          </a:prstGeom>
+        </p:spPr>
+      </p:pic>
+      <p:pic>
+        <p:nvPicPr>
+          <p:cNvPr id="37" name="Picture 36">
+            <a:extLst>
+              <a:ext uri="{FF2B5EF4-FFF2-40B4-BE49-F238E27FC236}">
+                <a16:creationId xmlns:a16="http://schemas.microsoft.com/office/drawing/2014/main" id="{0BCE4F5F-7E74-43E7-8050-A23E06A9F2EE}"/>
+              </a:ext>
+            </a:extLst>
+          </p:cNvPr>
+          <p:cNvPicPr>
+            <a:picLocks noChangeAspect="1"/>
+          </p:cNvPicPr>
+          <p:nvPr/>
+        </p:nvPicPr>
+        <p:blipFill>
+          <a:blip r:embed="rId16"/>
+          <a:stretch>
+            <a:fillRect/>
+          </a:stretch>
+        </p:blipFill>
+        <p:spPr>
+          <a:xfrm>
+            <a:off x="1647825" y="1366838"/>
+            <a:ext cx="8896350" cy="4124325"/>
+          </a:xfrm>
+          <a:prstGeom prst="rect">
+            <a:avLst/>
+          </a:prstGeom>
+        </p:spPr>
+      </p:pic>
+      <p:pic>
+        <p:nvPicPr>
           <p:cNvPr id="2" name="Picture 1">
             <a:extLst>
               <a:ext uri="{FF2B5EF4-FFF2-40B4-BE49-F238E27FC236}">
@@ -9891,7 +10758,7 @@
           <p:nvPr/>
         </p:nvPicPr>
         <p:blipFill>
-          <a:blip r:embed="rId2"/>
+          <a:blip r:embed="rId17"/>
           <a:stretch>
             <a:fillRect/>
           </a:stretch>
@@ -9921,7 +10788,7 @@
           <p:nvPr/>
         </p:nvPicPr>
         <p:blipFill>
-          <a:blip r:embed="rId3"/>
+          <a:blip r:embed="rId18"/>
           <a:stretch>
             <a:fillRect/>
           </a:stretch>
@@ -9951,7 +10818,7 @@
           <p:nvPr/>
         </p:nvPicPr>
         <p:blipFill>
-          <a:blip r:embed="rId4"/>
+          <a:blip r:embed="rId19"/>
           <a:stretch>
             <a:fillRect/>
           </a:stretch>
@@ -9981,7 +10848,7 @@
           <p:nvPr/>
         </p:nvPicPr>
         <p:blipFill>
-          <a:blip r:embed="rId5"/>
+          <a:blip r:embed="rId20"/>
           <a:stretch>
             <a:fillRect/>
           </a:stretch>
@@ -10011,7 +10878,7 @@
           <p:nvPr/>
         </p:nvPicPr>
         <p:blipFill>
-          <a:blip r:embed="rId6"/>
+          <a:blip r:embed="rId21"/>
           <a:stretch>
             <a:fillRect/>
           </a:stretch>
@@ -10041,7 +10908,7 @@
           <p:nvPr/>
         </p:nvPicPr>
         <p:blipFill>
-          <a:blip r:embed="rId7"/>
+          <a:blip r:embed="rId22"/>
           <a:stretch>
             <a:fillRect/>
           </a:stretch>
@@ -10071,7 +10938,7 @@
           <p:nvPr/>
         </p:nvPicPr>
         <p:blipFill>
-          <a:blip r:embed="rId8"/>
+          <a:blip r:embed="rId23"/>
           <a:stretch>
             <a:fillRect/>
           </a:stretch>
@@ -10101,7 +10968,7 @@
           <p:nvPr/>
         </p:nvPicPr>
         <p:blipFill>
-          <a:blip r:embed="rId9"/>
+          <a:blip r:embed="rId24"/>
           <a:stretch>
             <a:fillRect/>
           </a:stretch>
@@ -10131,7 +10998,7 @@
           <p:nvPr/>
         </p:nvPicPr>
         <p:blipFill>
-          <a:blip r:embed="rId10"/>
+          <a:blip r:embed="rId25"/>
           <a:stretch>
             <a:fillRect/>
           </a:stretch>
@@ -10161,7 +11028,7 @@
           <p:nvPr/>
         </p:nvPicPr>
         <p:blipFill>
-          <a:blip r:embed="rId11"/>
+          <a:blip r:embed="rId26"/>
           <a:stretch>
             <a:fillRect/>
           </a:stretch>
@@ -10191,7 +11058,7 @@
           <p:nvPr/>
         </p:nvPicPr>
         <p:blipFill>
-          <a:blip r:embed="rId12"/>
+          <a:blip r:embed="rId27"/>
           <a:stretch>
             <a:fillRect/>
           </a:stretch>
@@ -10221,7 +11088,7 @@
           <p:nvPr/>
         </p:nvPicPr>
         <p:blipFill>
-          <a:blip r:embed="rId13"/>
+          <a:blip r:embed="rId28"/>
           <a:stretch>
             <a:fillRect/>
           </a:stretch>
@@ -10251,7 +11118,7 @@
           <p:nvPr/>
         </p:nvPicPr>
         <p:blipFill>
-          <a:blip r:embed="rId14"/>
+          <a:blip r:embed="rId29"/>
           <a:stretch>
             <a:fillRect/>
           </a:stretch>
@@ -10281,7 +11148,7 @@
           <p:nvPr/>
         </p:nvPicPr>
         <p:blipFill>
-          <a:blip r:embed="rId15"/>
+          <a:blip r:embed="rId30"/>
           <a:stretch>
             <a:fillRect/>
           </a:stretch>
@@ -10311,7 +11178,7 @@
           <p:nvPr/>
         </p:nvPicPr>
         <p:blipFill>
-          <a:blip r:embed="rId16"/>
+          <a:blip r:embed="rId31"/>
           <a:stretch>
             <a:fillRect/>
           </a:stretch>
@@ -10341,13 +11208,13 @@
           <p:nvPr/>
         </p:nvPicPr>
         <p:blipFill rotWithShape="1">
-          <a:blip r:embed="rId17"/>
+          <a:blip r:embed="rId32"/>
           <a:srcRect l="1" r="337"/>
           <a:stretch/>
         </p:blipFill>
         <p:spPr>
           <a:xfrm>
-            <a:off x="1625722" y="1376363"/>
+            <a:off x="1625722" y="1375726"/>
             <a:ext cx="8942265" cy="4105275"/>
           </a:xfrm>
           <a:prstGeom prst="rect">
@@ -10409,7 +11276,7 @@
             </a:r>
             <a:r>
               <a:rPr lang="en-US" dirty="0"/>
-              <a:t>= [x]</a:t>
+              <a:t>= [y]</a:t>
             </a:r>
           </a:p>
           <a:p>
@@ -10575,186 +11442,6 @@
           </a:p>
         </p:txBody>
       </p:sp>
-      <p:pic>
-        <p:nvPicPr>
-          <p:cNvPr id="23" name="Picture 22">
-            <a:extLst>
-              <a:ext uri="{FF2B5EF4-FFF2-40B4-BE49-F238E27FC236}">
-                <a16:creationId xmlns:a16="http://schemas.microsoft.com/office/drawing/2014/main" id="{D2740BFC-89D0-46E0-9570-0AEF7CE312F8}"/>
-              </a:ext>
-            </a:extLst>
-          </p:cNvPr>
-          <p:cNvPicPr>
-            <a:picLocks noChangeAspect="1"/>
-          </p:cNvPicPr>
-          <p:nvPr/>
-        </p:nvPicPr>
-        <p:blipFill>
-          <a:blip r:embed="rId18"/>
-          <a:stretch>
-            <a:fillRect/>
-          </a:stretch>
-        </p:blipFill>
-        <p:spPr>
-          <a:xfrm>
-            <a:off x="1657350" y="1357313"/>
-            <a:ext cx="8877300" cy="4143375"/>
-          </a:xfrm>
-          <a:prstGeom prst="rect">
-            <a:avLst/>
-          </a:prstGeom>
-        </p:spPr>
-      </p:pic>
-      <p:pic>
-        <p:nvPicPr>
-          <p:cNvPr id="24" name="Picture 23">
-            <a:extLst>
-              <a:ext uri="{FF2B5EF4-FFF2-40B4-BE49-F238E27FC236}">
-                <a16:creationId xmlns:a16="http://schemas.microsoft.com/office/drawing/2014/main" id="{60E5E39B-8634-48B9-A2A6-16BE9BA50E4D}"/>
-              </a:ext>
-            </a:extLst>
-          </p:cNvPr>
-          <p:cNvPicPr>
-            <a:picLocks noChangeAspect="1"/>
-          </p:cNvPicPr>
-          <p:nvPr/>
-        </p:nvPicPr>
-        <p:blipFill>
-          <a:blip r:embed="rId19"/>
-          <a:stretch>
-            <a:fillRect/>
-          </a:stretch>
-        </p:blipFill>
-        <p:spPr>
-          <a:xfrm>
-            <a:off x="1657350" y="1371600"/>
-            <a:ext cx="8877300" cy="4114800"/>
-          </a:xfrm>
-          <a:prstGeom prst="rect">
-            <a:avLst/>
-          </a:prstGeom>
-        </p:spPr>
-      </p:pic>
-      <p:pic>
-        <p:nvPicPr>
-          <p:cNvPr id="25" name="Picture 24">
-            <a:extLst>
-              <a:ext uri="{FF2B5EF4-FFF2-40B4-BE49-F238E27FC236}">
-                <a16:creationId xmlns:a16="http://schemas.microsoft.com/office/drawing/2014/main" id="{7D55B759-465F-413D-A94C-F4B956357BEF}"/>
-              </a:ext>
-            </a:extLst>
-          </p:cNvPr>
-          <p:cNvPicPr>
-            <a:picLocks noChangeAspect="1"/>
-          </p:cNvPicPr>
-          <p:nvPr/>
-        </p:nvPicPr>
-        <p:blipFill>
-          <a:blip r:embed="rId20"/>
-          <a:stretch>
-            <a:fillRect/>
-          </a:stretch>
-        </p:blipFill>
-        <p:spPr>
-          <a:xfrm>
-            <a:off x="1633538" y="1371600"/>
-            <a:ext cx="8924925" cy="4114800"/>
-          </a:xfrm>
-          <a:prstGeom prst="rect">
-            <a:avLst/>
-          </a:prstGeom>
-        </p:spPr>
-      </p:pic>
-      <p:pic>
-        <p:nvPicPr>
-          <p:cNvPr id="26" name="Picture 25">
-            <a:extLst>
-              <a:ext uri="{FF2B5EF4-FFF2-40B4-BE49-F238E27FC236}">
-                <a16:creationId xmlns:a16="http://schemas.microsoft.com/office/drawing/2014/main" id="{3A8732E8-2FD0-49E4-B8CD-7B9EB760CFB1}"/>
-              </a:ext>
-            </a:extLst>
-          </p:cNvPr>
-          <p:cNvPicPr>
-            <a:picLocks noChangeAspect="1"/>
-          </p:cNvPicPr>
-          <p:nvPr/>
-        </p:nvPicPr>
-        <p:blipFill>
-          <a:blip r:embed="rId21"/>
-          <a:stretch>
-            <a:fillRect/>
-          </a:stretch>
-        </p:blipFill>
-        <p:spPr>
-          <a:xfrm>
-            <a:off x="1652588" y="1371600"/>
-            <a:ext cx="8886825" cy="4114800"/>
-          </a:xfrm>
-          <a:prstGeom prst="rect">
-            <a:avLst/>
-          </a:prstGeom>
-        </p:spPr>
-      </p:pic>
-      <p:pic>
-        <p:nvPicPr>
-          <p:cNvPr id="27" name="Picture 26">
-            <a:extLst>
-              <a:ext uri="{FF2B5EF4-FFF2-40B4-BE49-F238E27FC236}">
-                <a16:creationId xmlns:a16="http://schemas.microsoft.com/office/drawing/2014/main" id="{AC0D5957-F3F0-4395-95D1-931792DB756D}"/>
-              </a:ext>
-            </a:extLst>
-          </p:cNvPr>
-          <p:cNvPicPr>
-            <a:picLocks noChangeAspect="1"/>
-          </p:cNvPicPr>
-          <p:nvPr/>
-        </p:nvPicPr>
-        <p:blipFill>
-          <a:blip r:embed="rId22"/>
-          <a:stretch>
-            <a:fillRect/>
-          </a:stretch>
-        </p:blipFill>
-        <p:spPr>
-          <a:xfrm>
-            <a:off x="1652588" y="1371600"/>
-            <a:ext cx="8886825" cy="4114800"/>
-          </a:xfrm>
-          <a:prstGeom prst="rect">
-            <a:avLst/>
-          </a:prstGeom>
-        </p:spPr>
-      </p:pic>
-      <p:pic>
-        <p:nvPicPr>
-          <p:cNvPr id="28" name="Picture 27">
-            <a:extLst>
-              <a:ext uri="{FF2B5EF4-FFF2-40B4-BE49-F238E27FC236}">
-                <a16:creationId xmlns:a16="http://schemas.microsoft.com/office/drawing/2014/main" id="{2A38BC9F-7F07-477C-BF27-FC242DAB41F2}"/>
-              </a:ext>
-            </a:extLst>
-          </p:cNvPr>
-          <p:cNvPicPr>
-            <a:picLocks noChangeAspect="1"/>
-          </p:cNvPicPr>
-          <p:nvPr/>
-        </p:nvPicPr>
-        <p:blipFill>
-          <a:blip r:embed="rId23"/>
-          <a:stretch>
-            <a:fillRect/>
-          </a:stretch>
-        </p:blipFill>
-        <p:spPr>
-          <a:xfrm>
-            <a:off x="1643063" y="1371600"/>
-            <a:ext cx="8905875" cy="4114800"/>
-          </a:xfrm>
-          <a:prstGeom prst="rect">
-            <a:avLst/>
-          </a:prstGeom>
-        </p:spPr>
-      </p:pic>
     </p:spTree>
     <p:extLst>
       <p:ext uri="{BB962C8B-B14F-4D97-AF65-F5344CB8AC3E}">
@@ -10795,7 +11482,7 @@
                                       <p:cBhvr>
                                         <p:cTn id="6" dur="1" fill="hold">
                                           <p:stCondLst>
-                                            <p:cond delay="0"/>
+                                            <p:cond delay="9"/>
                                           </p:stCondLst>
                                         </p:cTn>
                                         <p:tgtEl>
@@ -10831,7 +11518,7 @@
                             </p:stCondLst>
                             <p:childTnLst>
                               <p:par>
-                                <p:cTn id="9" presetID="1" presetClass="entr" presetSubtype="0" fill="hold" nodeType="clickEffect">
+                                <p:cTn id="9" presetID="1" presetClass="entr" presetSubtype="0" fill="hold" grpId="0" nodeType="clickEffect">
                                   <p:stCondLst>
                                     <p:cond delay="0"/>
                                   </p:stCondLst>
@@ -10844,7 +11531,7 @@
                                           </p:stCondLst>
                                         </p:cTn>
                                         <p:tgtEl>
-                                          <p:spTgt spid="24"/>
+                                          <p:spTgt spid="20"/>
                                         </p:tgtEl>
                                         <p:attrNameLst>
                                           <p:attrName>style.visibility</p:attrName>
@@ -10889,7 +11576,7 @@
                                           </p:stCondLst>
                                         </p:cTn>
                                         <p:tgtEl>
-                                          <p:spTgt spid="25"/>
+                                          <p:spTgt spid="24"/>
                                         </p:tgtEl>
                                         <p:attrNameLst>
                                           <p:attrName>style.visibility</p:attrName>
@@ -10934,7 +11621,7 @@
                                           </p:stCondLst>
                                         </p:cTn>
                                         <p:tgtEl>
-                                          <p:spTgt spid="26"/>
+                                          <p:spTgt spid="25"/>
                                         </p:tgtEl>
                                         <p:attrNameLst>
                                           <p:attrName>style.visibility</p:attrName>
@@ -10979,7 +11666,7 @@
                                           </p:stCondLst>
                                         </p:cTn>
                                         <p:tgtEl>
-                                          <p:spTgt spid="27"/>
+                                          <p:spTgt spid="26"/>
                                         </p:tgtEl>
                                         <p:attrNameLst>
                                           <p:attrName>style.visibility</p:attrName>
@@ -11024,7 +11711,7 @@
                                           </p:stCondLst>
                                         </p:cTn>
                                         <p:tgtEl>
-                                          <p:spTgt spid="28"/>
+                                          <p:spTgt spid="27"/>
                                         </p:tgtEl>
                                         <p:attrNameLst>
                                           <p:attrName>style.visibility</p:attrName>
@@ -11069,7 +11756,7 @@
                                           </p:stCondLst>
                                         </p:cTn>
                                         <p:tgtEl>
-                                          <p:spTgt spid="2"/>
+                                          <p:spTgt spid="28"/>
                                         </p:tgtEl>
                                         <p:attrNameLst>
                                           <p:attrName>style.visibility</p:attrName>
@@ -11101,7 +11788,7 @@
                             </p:stCondLst>
                             <p:childTnLst>
                               <p:par>
-                                <p:cTn id="33" presetID="1" presetClass="entr" presetSubtype="0" fill="hold" grpId="0" nodeType="clickEffect">
+                                <p:cTn id="33" presetID="1" presetClass="entr" presetSubtype="0" fill="hold" nodeType="clickEffect">
                                   <p:stCondLst>
                                     <p:cond delay="0"/>
                                   </p:stCondLst>
@@ -11114,7 +11801,7 @@
                                           </p:stCondLst>
                                         </p:cTn>
                                         <p:tgtEl>
-                                          <p:spTgt spid="20"/>
+                                          <p:spTgt spid="29"/>
                                         </p:tgtEl>
                                         <p:attrNameLst>
                                           <p:attrName>style.visibility</p:attrName>
@@ -11159,7 +11846,7 @@
                                           </p:stCondLst>
                                         </p:cTn>
                                         <p:tgtEl>
-                                          <p:spTgt spid="5"/>
+                                          <p:spTgt spid="30"/>
                                         </p:tgtEl>
                                         <p:attrNameLst>
                                           <p:attrName>style.visibility</p:attrName>
@@ -11204,7 +11891,7 @@
                                           </p:stCondLst>
                                         </p:cTn>
                                         <p:tgtEl>
-                                          <p:spTgt spid="6"/>
+                                          <p:spTgt spid="31"/>
                                         </p:tgtEl>
                                         <p:attrNameLst>
                                           <p:attrName>style.visibility</p:attrName>
@@ -11249,7 +11936,7 @@
                                           </p:stCondLst>
                                         </p:cTn>
                                         <p:tgtEl>
-                                          <p:spTgt spid="7"/>
+                                          <p:spTgt spid="32"/>
                                         </p:tgtEl>
                                         <p:attrNameLst>
                                           <p:attrName>style.visibility</p:attrName>
@@ -11294,7 +11981,7 @@
                                           </p:stCondLst>
                                         </p:cTn>
                                         <p:tgtEl>
-                                          <p:spTgt spid="8"/>
+                                          <p:spTgt spid="33"/>
                                         </p:tgtEl>
                                         <p:attrNameLst>
                                           <p:attrName>style.visibility</p:attrName>
@@ -11339,7 +12026,7 @@
                                           </p:stCondLst>
                                         </p:cTn>
                                         <p:tgtEl>
-                                          <p:spTgt spid="9"/>
+                                          <p:spTgt spid="34"/>
                                         </p:tgtEl>
                                         <p:attrNameLst>
                                           <p:attrName>style.visibility</p:attrName>
@@ -11384,7 +12071,7 @@
                                           </p:stCondLst>
                                         </p:cTn>
                                         <p:tgtEl>
-                                          <p:spTgt spid="10"/>
+                                          <p:spTgt spid="35"/>
                                         </p:tgtEl>
                                         <p:attrNameLst>
                                           <p:attrName>style.visibility</p:attrName>
@@ -11429,7 +12116,7 @@
                                           </p:stCondLst>
                                         </p:cTn>
                                         <p:tgtEl>
-                                          <p:spTgt spid="11"/>
+                                          <p:spTgt spid="36"/>
                                         </p:tgtEl>
                                         <p:attrNameLst>
                                           <p:attrName>style.visibility</p:attrName>
@@ -11474,7 +12161,7 @@
                                           </p:stCondLst>
                                         </p:cTn>
                                         <p:tgtEl>
-                                          <p:spTgt spid="12"/>
+                                          <p:spTgt spid="37"/>
                                         </p:tgtEl>
                                         <p:attrNameLst>
                                           <p:attrName>style.visibility</p:attrName>
@@ -11519,7 +12206,7 @@
                                           </p:stCondLst>
                                         </p:cTn>
                                         <p:tgtEl>
-                                          <p:spTgt spid="13"/>
+                                          <p:spTgt spid="2"/>
                                         </p:tgtEl>
                                         <p:attrNameLst>
                                           <p:attrName>style.visibility</p:attrName>
@@ -11564,7 +12251,7 @@
                                           </p:stCondLst>
                                         </p:cTn>
                                         <p:tgtEl>
-                                          <p:spTgt spid="14"/>
+                                          <p:spTgt spid="5"/>
                                         </p:tgtEl>
                                         <p:attrNameLst>
                                           <p:attrName>style.visibility</p:attrName>
@@ -11609,7 +12296,7 @@
                                           </p:stCondLst>
                                         </p:cTn>
                                         <p:tgtEl>
-                                          <p:spTgt spid="16"/>
+                                          <p:spTgt spid="6"/>
                                         </p:tgtEl>
                                         <p:attrNameLst>
                                           <p:attrName>style.visibility</p:attrName>
@@ -11654,7 +12341,7 @@
                                           </p:stCondLst>
                                         </p:cTn>
                                         <p:tgtEl>
-                                          <p:spTgt spid="15"/>
+                                          <p:spTgt spid="7"/>
                                         </p:tgtEl>
                                         <p:attrNameLst>
                                           <p:attrName>style.visibility</p:attrName>
@@ -11699,7 +12386,7 @@
                                           </p:stCondLst>
                                         </p:cTn>
                                         <p:tgtEl>
-                                          <p:spTgt spid="17"/>
+                                          <p:spTgt spid="8"/>
                                         </p:tgtEl>
                                         <p:attrNameLst>
                                           <p:attrName>style.visibility</p:attrName>
@@ -11744,7 +12431,7 @@
                                           </p:stCondLst>
                                         </p:cTn>
                                         <p:tgtEl>
-                                          <p:spTgt spid="18"/>
+                                          <p:spTgt spid="9"/>
                                         </p:tgtEl>
                                         <p:attrNameLst>
                                           <p:attrName>style.visibility</p:attrName>
@@ -11784,6 +12471,411 @@
                                     <p:set>
                                       <p:cBhvr>
                                         <p:cTn id="94" dur="1" fill="hold">
+                                          <p:stCondLst>
+                                            <p:cond delay="0"/>
+                                          </p:stCondLst>
+                                        </p:cTn>
+                                        <p:tgtEl>
+                                          <p:spTgt spid="10"/>
+                                        </p:tgtEl>
+                                        <p:attrNameLst>
+                                          <p:attrName>style.visibility</p:attrName>
+                                        </p:attrNameLst>
+                                      </p:cBhvr>
+                                      <p:to>
+                                        <p:strVal val="visible"/>
+                                      </p:to>
+                                    </p:set>
+                                  </p:childTnLst>
+                                </p:cTn>
+                              </p:par>
+                            </p:childTnLst>
+                          </p:cTn>
+                        </p:par>
+                      </p:childTnLst>
+                    </p:cTn>
+                  </p:par>
+                  <p:par>
+                    <p:cTn id="95" fill="hold">
+                      <p:stCondLst>
+                        <p:cond delay="indefinite"/>
+                      </p:stCondLst>
+                      <p:childTnLst>
+                        <p:par>
+                          <p:cTn id="96" fill="hold">
+                            <p:stCondLst>
+                              <p:cond delay="0"/>
+                            </p:stCondLst>
+                            <p:childTnLst>
+                              <p:par>
+                                <p:cTn id="97" presetID="1" presetClass="entr" presetSubtype="0" fill="hold" nodeType="clickEffect">
+                                  <p:stCondLst>
+                                    <p:cond delay="0"/>
+                                  </p:stCondLst>
+                                  <p:childTnLst>
+                                    <p:set>
+                                      <p:cBhvr>
+                                        <p:cTn id="98" dur="1" fill="hold">
+                                          <p:stCondLst>
+                                            <p:cond delay="0"/>
+                                          </p:stCondLst>
+                                        </p:cTn>
+                                        <p:tgtEl>
+                                          <p:spTgt spid="11"/>
+                                        </p:tgtEl>
+                                        <p:attrNameLst>
+                                          <p:attrName>style.visibility</p:attrName>
+                                        </p:attrNameLst>
+                                      </p:cBhvr>
+                                      <p:to>
+                                        <p:strVal val="visible"/>
+                                      </p:to>
+                                    </p:set>
+                                  </p:childTnLst>
+                                </p:cTn>
+                              </p:par>
+                            </p:childTnLst>
+                          </p:cTn>
+                        </p:par>
+                      </p:childTnLst>
+                    </p:cTn>
+                  </p:par>
+                  <p:par>
+                    <p:cTn id="99" fill="hold">
+                      <p:stCondLst>
+                        <p:cond delay="indefinite"/>
+                      </p:stCondLst>
+                      <p:childTnLst>
+                        <p:par>
+                          <p:cTn id="100" fill="hold">
+                            <p:stCondLst>
+                              <p:cond delay="0"/>
+                            </p:stCondLst>
+                            <p:childTnLst>
+                              <p:par>
+                                <p:cTn id="101" presetID="1" presetClass="entr" presetSubtype="0" fill="hold" nodeType="clickEffect">
+                                  <p:stCondLst>
+                                    <p:cond delay="0"/>
+                                  </p:stCondLst>
+                                  <p:childTnLst>
+                                    <p:set>
+                                      <p:cBhvr>
+                                        <p:cTn id="102" dur="1" fill="hold">
+                                          <p:stCondLst>
+                                            <p:cond delay="0"/>
+                                          </p:stCondLst>
+                                        </p:cTn>
+                                        <p:tgtEl>
+                                          <p:spTgt spid="12"/>
+                                        </p:tgtEl>
+                                        <p:attrNameLst>
+                                          <p:attrName>style.visibility</p:attrName>
+                                        </p:attrNameLst>
+                                      </p:cBhvr>
+                                      <p:to>
+                                        <p:strVal val="visible"/>
+                                      </p:to>
+                                    </p:set>
+                                  </p:childTnLst>
+                                </p:cTn>
+                              </p:par>
+                            </p:childTnLst>
+                          </p:cTn>
+                        </p:par>
+                      </p:childTnLst>
+                    </p:cTn>
+                  </p:par>
+                  <p:par>
+                    <p:cTn id="103" fill="hold">
+                      <p:stCondLst>
+                        <p:cond delay="indefinite"/>
+                      </p:stCondLst>
+                      <p:childTnLst>
+                        <p:par>
+                          <p:cTn id="104" fill="hold">
+                            <p:stCondLst>
+                              <p:cond delay="0"/>
+                            </p:stCondLst>
+                            <p:childTnLst>
+                              <p:par>
+                                <p:cTn id="105" presetID="1" presetClass="entr" presetSubtype="0" fill="hold" nodeType="clickEffect">
+                                  <p:stCondLst>
+                                    <p:cond delay="0"/>
+                                  </p:stCondLst>
+                                  <p:childTnLst>
+                                    <p:set>
+                                      <p:cBhvr>
+                                        <p:cTn id="106" dur="1" fill="hold">
+                                          <p:stCondLst>
+                                            <p:cond delay="0"/>
+                                          </p:stCondLst>
+                                        </p:cTn>
+                                        <p:tgtEl>
+                                          <p:spTgt spid="13"/>
+                                        </p:tgtEl>
+                                        <p:attrNameLst>
+                                          <p:attrName>style.visibility</p:attrName>
+                                        </p:attrNameLst>
+                                      </p:cBhvr>
+                                      <p:to>
+                                        <p:strVal val="visible"/>
+                                      </p:to>
+                                    </p:set>
+                                  </p:childTnLst>
+                                </p:cTn>
+                              </p:par>
+                            </p:childTnLst>
+                          </p:cTn>
+                        </p:par>
+                      </p:childTnLst>
+                    </p:cTn>
+                  </p:par>
+                  <p:par>
+                    <p:cTn id="107" fill="hold">
+                      <p:stCondLst>
+                        <p:cond delay="indefinite"/>
+                      </p:stCondLst>
+                      <p:childTnLst>
+                        <p:par>
+                          <p:cTn id="108" fill="hold">
+                            <p:stCondLst>
+                              <p:cond delay="0"/>
+                            </p:stCondLst>
+                            <p:childTnLst>
+                              <p:par>
+                                <p:cTn id="109" presetID="1" presetClass="entr" presetSubtype="0" fill="hold" nodeType="clickEffect">
+                                  <p:stCondLst>
+                                    <p:cond delay="0"/>
+                                  </p:stCondLst>
+                                  <p:childTnLst>
+                                    <p:set>
+                                      <p:cBhvr>
+                                        <p:cTn id="110" dur="1" fill="hold">
+                                          <p:stCondLst>
+                                            <p:cond delay="0"/>
+                                          </p:stCondLst>
+                                        </p:cTn>
+                                        <p:tgtEl>
+                                          <p:spTgt spid="14"/>
+                                        </p:tgtEl>
+                                        <p:attrNameLst>
+                                          <p:attrName>style.visibility</p:attrName>
+                                        </p:attrNameLst>
+                                      </p:cBhvr>
+                                      <p:to>
+                                        <p:strVal val="visible"/>
+                                      </p:to>
+                                    </p:set>
+                                  </p:childTnLst>
+                                </p:cTn>
+                              </p:par>
+                            </p:childTnLst>
+                          </p:cTn>
+                        </p:par>
+                      </p:childTnLst>
+                    </p:cTn>
+                  </p:par>
+                  <p:par>
+                    <p:cTn id="111" fill="hold">
+                      <p:stCondLst>
+                        <p:cond delay="indefinite"/>
+                      </p:stCondLst>
+                      <p:childTnLst>
+                        <p:par>
+                          <p:cTn id="112" fill="hold">
+                            <p:stCondLst>
+                              <p:cond delay="0"/>
+                            </p:stCondLst>
+                            <p:childTnLst>
+                              <p:par>
+                                <p:cTn id="113" presetID="1" presetClass="entr" presetSubtype="0" fill="hold" nodeType="clickEffect">
+                                  <p:stCondLst>
+                                    <p:cond delay="0"/>
+                                  </p:stCondLst>
+                                  <p:childTnLst>
+                                    <p:set>
+                                      <p:cBhvr>
+                                        <p:cTn id="114" dur="1" fill="hold">
+                                          <p:stCondLst>
+                                            <p:cond delay="0"/>
+                                          </p:stCondLst>
+                                        </p:cTn>
+                                        <p:tgtEl>
+                                          <p:spTgt spid="16"/>
+                                        </p:tgtEl>
+                                        <p:attrNameLst>
+                                          <p:attrName>style.visibility</p:attrName>
+                                        </p:attrNameLst>
+                                      </p:cBhvr>
+                                      <p:to>
+                                        <p:strVal val="visible"/>
+                                      </p:to>
+                                    </p:set>
+                                  </p:childTnLst>
+                                </p:cTn>
+                              </p:par>
+                            </p:childTnLst>
+                          </p:cTn>
+                        </p:par>
+                      </p:childTnLst>
+                    </p:cTn>
+                  </p:par>
+                  <p:par>
+                    <p:cTn id="115" fill="hold">
+                      <p:stCondLst>
+                        <p:cond delay="indefinite"/>
+                      </p:stCondLst>
+                      <p:childTnLst>
+                        <p:par>
+                          <p:cTn id="116" fill="hold">
+                            <p:stCondLst>
+                              <p:cond delay="0"/>
+                            </p:stCondLst>
+                            <p:childTnLst>
+                              <p:par>
+                                <p:cTn id="117" presetID="1" presetClass="entr" presetSubtype="0" fill="hold" nodeType="clickEffect">
+                                  <p:stCondLst>
+                                    <p:cond delay="0"/>
+                                  </p:stCondLst>
+                                  <p:childTnLst>
+                                    <p:set>
+                                      <p:cBhvr>
+                                        <p:cTn id="118" dur="1" fill="hold">
+                                          <p:stCondLst>
+                                            <p:cond delay="0"/>
+                                          </p:stCondLst>
+                                        </p:cTn>
+                                        <p:tgtEl>
+                                          <p:spTgt spid="15"/>
+                                        </p:tgtEl>
+                                        <p:attrNameLst>
+                                          <p:attrName>style.visibility</p:attrName>
+                                        </p:attrNameLst>
+                                      </p:cBhvr>
+                                      <p:to>
+                                        <p:strVal val="visible"/>
+                                      </p:to>
+                                    </p:set>
+                                  </p:childTnLst>
+                                </p:cTn>
+                              </p:par>
+                            </p:childTnLst>
+                          </p:cTn>
+                        </p:par>
+                      </p:childTnLst>
+                    </p:cTn>
+                  </p:par>
+                  <p:par>
+                    <p:cTn id="119" fill="hold">
+                      <p:stCondLst>
+                        <p:cond delay="indefinite"/>
+                      </p:stCondLst>
+                      <p:childTnLst>
+                        <p:par>
+                          <p:cTn id="120" fill="hold">
+                            <p:stCondLst>
+                              <p:cond delay="0"/>
+                            </p:stCondLst>
+                            <p:childTnLst>
+                              <p:par>
+                                <p:cTn id="121" presetID="1" presetClass="entr" presetSubtype="0" fill="hold" nodeType="clickEffect">
+                                  <p:stCondLst>
+                                    <p:cond delay="0"/>
+                                  </p:stCondLst>
+                                  <p:childTnLst>
+                                    <p:set>
+                                      <p:cBhvr>
+                                        <p:cTn id="122" dur="1" fill="hold">
+                                          <p:stCondLst>
+                                            <p:cond delay="0"/>
+                                          </p:stCondLst>
+                                        </p:cTn>
+                                        <p:tgtEl>
+                                          <p:spTgt spid="17"/>
+                                        </p:tgtEl>
+                                        <p:attrNameLst>
+                                          <p:attrName>style.visibility</p:attrName>
+                                        </p:attrNameLst>
+                                      </p:cBhvr>
+                                      <p:to>
+                                        <p:strVal val="visible"/>
+                                      </p:to>
+                                    </p:set>
+                                  </p:childTnLst>
+                                </p:cTn>
+                              </p:par>
+                            </p:childTnLst>
+                          </p:cTn>
+                        </p:par>
+                      </p:childTnLst>
+                    </p:cTn>
+                  </p:par>
+                  <p:par>
+                    <p:cTn id="123" fill="hold">
+                      <p:stCondLst>
+                        <p:cond delay="indefinite"/>
+                      </p:stCondLst>
+                      <p:childTnLst>
+                        <p:par>
+                          <p:cTn id="124" fill="hold">
+                            <p:stCondLst>
+                              <p:cond delay="0"/>
+                            </p:stCondLst>
+                            <p:childTnLst>
+                              <p:par>
+                                <p:cTn id="125" presetID="1" presetClass="entr" presetSubtype="0" fill="hold" nodeType="clickEffect">
+                                  <p:stCondLst>
+                                    <p:cond delay="0"/>
+                                  </p:stCondLst>
+                                  <p:childTnLst>
+                                    <p:set>
+                                      <p:cBhvr>
+                                        <p:cTn id="126" dur="1" fill="hold">
+                                          <p:stCondLst>
+                                            <p:cond delay="0"/>
+                                          </p:stCondLst>
+                                        </p:cTn>
+                                        <p:tgtEl>
+                                          <p:spTgt spid="18"/>
+                                        </p:tgtEl>
+                                        <p:attrNameLst>
+                                          <p:attrName>style.visibility</p:attrName>
+                                        </p:attrNameLst>
+                                      </p:cBhvr>
+                                      <p:to>
+                                        <p:strVal val="visible"/>
+                                      </p:to>
+                                    </p:set>
+                                  </p:childTnLst>
+                                </p:cTn>
+                              </p:par>
+                            </p:childTnLst>
+                          </p:cTn>
+                        </p:par>
+                      </p:childTnLst>
+                    </p:cTn>
+                  </p:par>
+                  <p:par>
+                    <p:cTn id="127" fill="hold">
+                      <p:stCondLst>
+                        <p:cond delay="indefinite"/>
+                      </p:stCondLst>
+                      <p:childTnLst>
+                        <p:par>
+                          <p:cTn id="128" fill="hold">
+                            <p:stCondLst>
+                              <p:cond delay="0"/>
+                            </p:stCondLst>
+                            <p:childTnLst>
+                              <p:par>
+                                <p:cTn id="129" presetID="1" presetClass="entr" presetSubtype="0" fill="hold" nodeType="clickEffect">
+                                  <p:stCondLst>
+                                    <p:cond delay="0"/>
+                                  </p:stCondLst>
+                                  <p:childTnLst>
+                                    <p:set>
+                                      <p:cBhvr>
+                                        <p:cTn id="130" dur="1" fill="hold">
                                           <p:stCondLst>
                                             <p:cond delay="0"/>
                                           </p:stCondLst>

--- a/Modeling Oscillating Chemical Reactions.pptx
+++ b/Modeling Oscillating Chemical Reactions.pptx
@@ -709,6 +709,105 @@
 </file>
 
 <file path=ppt/notesSlides/notesSlide3.xml><?xml version="1.0" encoding="utf-8"?>
+<p:notes xmlns:a="http://schemas.openxmlformats.org/drawingml/2006/main" xmlns:r="http://schemas.openxmlformats.org/officeDocument/2006/relationships" xmlns:p="http://schemas.openxmlformats.org/presentationml/2006/main">
+  <p:cSld>
+    <p:spTree>
+      <p:nvGrpSpPr>
+        <p:cNvPr id="1" name=""/>
+        <p:cNvGrpSpPr/>
+        <p:nvPr/>
+      </p:nvGrpSpPr>
+      <p:grpSpPr>
+        <a:xfrm>
+          <a:off x="0" y="0"/>
+          <a:ext cx="0" cy="0"/>
+          <a:chOff x="0" y="0"/>
+          <a:chExt cx="0" cy="0"/>
+        </a:xfrm>
+      </p:grpSpPr>
+      <p:sp>
+        <p:nvSpPr>
+          <p:cNvPr id="2" name="Slide Image Placeholder 1"/>
+          <p:cNvSpPr>
+            <a:spLocks noGrp="1" noRot="1" noChangeAspect="1"/>
+          </p:cNvSpPr>
+          <p:nvPr>
+            <p:ph type="sldImg"/>
+          </p:nvPr>
+        </p:nvSpPr>
+        <p:spPr/>
+      </p:sp>
+      <p:sp>
+        <p:nvSpPr>
+          <p:cNvPr id="3" name="Notes Placeholder 2"/>
+          <p:cNvSpPr>
+            <a:spLocks noGrp="1"/>
+          </p:cNvSpPr>
+          <p:nvPr>
+            <p:ph type="body" idx="1"/>
+          </p:nvPr>
+        </p:nvSpPr>
+        <p:spPr/>
+        <p:txBody>
+          <a:bodyPr/>
+          <a:lstStyle/>
+          <a:p>
+            <a:r>
+              <a:rPr lang="en-US" dirty="0" err="1"/>
+              <a:t>Ohysisict</a:t>
+            </a:r>
+            <a:r>
+              <a:rPr lang="en-US" dirty="0"/>
+              <a:t> Ilya Prigogine formulated this mathematical model for reactions like the BR  which he called </a:t>
+            </a:r>
+            <a:r>
+              <a:rPr lang="en-US" dirty="0" err="1"/>
+              <a:t>brusselator</a:t>
+            </a:r>
+            <a:r>
+              <a:rPr lang="en-US" dirty="0"/>
+              <a:t> after his home town.</a:t>
+            </a:r>
+          </a:p>
+        </p:txBody>
+      </p:sp>
+      <p:sp>
+        <p:nvSpPr>
+          <p:cNvPr id="4" name="Slide Number Placeholder 3"/>
+          <p:cNvSpPr>
+            <a:spLocks noGrp="1"/>
+          </p:cNvSpPr>
+          <p:nvPr>
+            <p:ph type="sldNum" sz="quarter" idx="10"/>
+          </p:nvPr>
+        </p:nvSpPr>
+        <p:spPr/>
+        <p:txBody>
+          <a:bodyPr/>
+          <a:lstStyle/>
+          <a:p>
+            <a:fld id="{B4071BFE-E14A-435D-B529-059817B9DAFD}" type="slidenum">
+              <a:rPr lang="en-US" smtClean="0"/>
+              <a:t>4</a:t>
+            </a:fld>
+            <a:endParaRPr lang="en-US"/>
+          </a:p>
+        </p:txBody>
+      </p:sp>
+    </p:spTree>
+    <p:extLst>
+      <p:ext uri="{BB962C8B-B14F-4D97-AF65-F5344CB8AC3E}">
+        <p14:creationId xmlns:p14="http://schemas.microsoft.com/office/powerpoint/2010/main" val="2862392116"/>
+      </p:ext>
+    </p:extLst>
+  </p:cSld>
+  <p:clrMapOvr>
+    <a:masterClrMapping/>
+  </p:clrMapOvr>
+</p:notes>
+</file>
+
+<file path=ppt/notesSlides/notesSlide4.xml><?xml version="1.0" encoding="utf-8"?>
 <p:notes xmlns:a="http://schemas.openxmlformats.org/drawingml/2006/main" xmlns:r="http://schemas.openxmlformats.org/officeDocument/2006/relationships" xmlns:p="http://schemas.openxmlformats.org/presentationml/2006/main">
   <p:cSld>
     <p:spTree>
@@ -8543,15 +8642,15 @@
           <a:p>
             <a:r>
               <a:rPr lang="en-US" dirty="0"/>
-              <a:t>How does the model Relate to the Briggs-</a:t>
+              <a:t>How does the model Relate to the </a:t>
             </a:r>
             <a:r>
               <a:rPr lang="en-US" dirty="0" err="1"/>
-              <a:t>Rausher</a:t>
+              <a:t>Belousov-Zhabotinsky</a:t>
             </a:r>
             <a:r>
               <a:rPr lang="en-US" dirty="0"/>
-              <a:t> (BR) reaction</a:t>
+              <a:t> (BZ) reaction</a:t>
             </a:r>
           </a:p>
         </p:txBody>
@@ -8578,30 +8677,18 @@
           <a:lstStyle/>
           <a:p>
             <a:r>
+              <a:rPr lang="en-US"/>
+              <a:t>BZ </a:t>
+            </a:r>
+            <a:r>
               <a:rPr lang="en-US" dirty="0"/>
-              <a:t>BR reaction has a 16 step reaction mechanism</a:t>
+              <a:t>reaction has a 7 step reaction mechanism</a:t>
             </a:r>
           </a:p>
           <a:p>
             <a:r>
               <a:rPr lang="en-US" dirty="0"/>
-              <a:t>I</a:t>
-            </a:r>
-            <a:r>
-              <a:rPr lang="en-US" baseline="-25000" dirty="0"/>
-              <a:t>2</a:t>
-            </a:r>
-            <a:r>
-              <a:rPr lang="en-US" dirty="0"/>
-              <a:t> and I</a:t>
-            </a:r>
-            <a:r>
-              <a:rPr lang="en-US" baseline="30000" dirty="0"/>
-              <a:t>- </a:t>
-            </a:r>
-            <a:r>
-              <a:rPr lang="en-US" dirty="0"/>
-              <a:t>are the key reactants that parallel chemical x and y (</a:t>
+              <a:t>Cerium (IV) and cerium (III) are the key reactants that parallel chemical x and y (</a:t>
             </a:r>
             <a:r>
               <a:rPr lang="en-US" dirty="0" err="1"/>
@@ -8616,54 +8703,14 @@
             <a:pPr lvl="1"/>
             <a:r>
               <a:rPr lang="en-US" dirty="0"/>
-              <a:t>[I</a:t>
-            </a:r>
-            <a:r>
-              <a:rPr lang="en-US" baseline="-25000" dirty="0"/>
-              <a:t>2</a:t>
-            </a:r>
+              <a:t>Color changes are due to the different oxidation states of cerium</a:t>
+            </a:r>
+          </a:p>
+          <a:p>
+            <a:pPr lvl="1"/>
             <a:r>
               <a:rPr lang="en-US" dirty="0"/>
-              <a:t> ]  and amber color increases rapidly when [I</a:t>
-            </a:r>
-            <a:r>
-              <a:rPr lang="en-US" baseline="30000" dirty="0"/>
-              <a:t>- </a:t>
-            </a:r>
-            <a:r>
-              <a:rPr lang="en-US" dirty="0"/>
-              <a:t>] are high</a:t>
-            </a:r>
-          </a:p>
-          <a:p>
-            <a:pPr lvl="1"/>
-            <a:r>
-              <a:rPr lang="en-US" dirty="0"/>
-              <a:t>[I</a:t>
-            </a:r>
-            <a:r>
-              <a:rPr lang="en-US" baseline="30000" dirty="0"/>
-              <a:t>- </a:t>
-            </a:r>
-            <a:r>
-              <a:rPr lang="en-US" dirty="0"/>
-              <a:t>] increases as [I</a:t>
-            </a:r>
-            <a:r>
-              <a:rPr lang="en-US" baseline="-25000" dirty="0"/>
-              <a:t>2</a:t>
-            </a:r>
-            <a:r>
-              <a:rPr lang="en-US" dirty="0"/>
-              <a:t> ] are high which causes [I</a:t>
-            </a:r>
-            <a:r>
-              <a:rPr lang="en-US" baseline="30000" dirty="0"/>
-              <a:t>- </a:t>
-            </a:r>
-            <a:r>
-              <a:rPr lang="en-US" dirty="0"/>
-              <a:t>] to react with starch and make blue/black color </a:t>
+              <a:t>Different concentration change the reduction potential of system and cause oxidation/reduction of cerium</a:t>
             </a:r>
           </a:p>
           <a:p>
@@ -9002,8 +9049,20 @@
           <a:p>
             <a:pPr lvl="1"/>
             <a:r>
+              <a:rPr lang="en-US" dirty="0" err="1"/>
+              <a:t>Belousov</a:t>
+            </a:r>
+            <a:r>
               <a:rPr lang="en-US" dirty="0"/>
-              <a:t>Briggs-Rauscher reaction</a:t>
+              <a:t>- </a:t>
+            </a:r>
+            <a:r>
+              <a:rPr lang="en-US" dirty="0" err="1"/>
+              <a:t>Zhabotinsky</a:t>
+            </a:r>
+            <a:r>
+              <a:rPr lang="en-US" dirty="0"/>
+              <a:t> reaction</a:t>
             </a:r>
           </a:p>
           <a:p>
@@ -9265,7 +9324,7 @@
           <p:nvPr/>
         </p:nvPicPr>
         <p:blipFill>
-          <a:blip r:embed="rId2"/>
+          <a:blip r:embed="rId3"/>
           <a:stretch>
             <a:fillRect/>
           </a:stretch>
@@ -9295,7 +9354,7 @@
           <p:nvPr/>
         </p:nvPicPr>
         <p:blipFill>
-          <a:blip r:embed="rId3"/>
+          <a:blip r:embed="rId4"/>
           <a:stretch>
             <a:fillRect/>
           </a:stretch>
